--- a/Diapositivas/2026 0 Tema 5 El Marco Teorico.pptx
+++ b/Diapositivas/2026 0 Tema 5 El Marco Teorico.pptx
@@ -10,12 +10,13 @@
     <p:sldId id="768" r:id="rId4"/>
     <p:sldId id="759" r:id="rId5"/>
     <p:sldId id="760" r:id="rId6"/>
-    <p:sldId id="761" r:id="rId7"/>
-    <p:sldId id="762" r:id="rId8"/>
-    <p:sldId id="763" r:id="rId9"/>
-    <p:sldId id="764" r:id="rId10"/>
-    <p:sldId id="765" r:id="rId11"/>
-    <p:sldId id="769" r:id="rId12"/>
+    <p:sldId id="770" r:id="rId7"/>
+    <p:sldId id="761" r:id="rId8"/>
+    <p:sldId id="762" r:id="rId9"/>
+    <p:sldId id="763" r:id="rId10"/>
+    <p:sldId id="764" r:id="rId11"/>
+    <p:sldId id="765" r:id="rId12"/>
+    <p:sldId id="769" r:id="rId13"/>
   </p:sldIdLst>
   <p:sldSz cx="12192000" cy="6858000"/>
   <p:notesSz cx="6858000" cy="9144000"/>
@@ -122,6 +123,55 @@
 </p:presentation>
 </file>
 
+<file path=ppt/commentAuthors.xml><?xml version="1.0" encoding="utf-8"?>
+<p:cmAuthorLst xmlns:a="http://schemas.openxmlformats.org/drawingml/2006/main" xmlns:r="http://schemas.openxmlformats.org/officeDocument/2006/relationships" xmlns:p="http://schemas.openxmlformats.org/presentationml/2006/main">
+  <p:cmAuthor id="1" name="UlisexxX" initials="U" lastIdx="3" clrIdx="0">
+    <p:extLst>
+      <p:ext uri="{19B8F6BF-5375-455C-9EA6-DF929625EA0E}">
+        <p15:presenceInfo xmlns:p15="http://schemas.microsoft.com/office/powerpoint/2012/main" userId="UlisexxX" providerId="None"/>
+      </p:ext>
+    </p:extLst>
+  </p:cmAuthor>
+</p:cmAuthorLst>
+</file>
+
+<file path=ppt/comments/comment1.xml><?xml version="1.0" encoding="utf-8"?>
+<p:cmLst xmlns:a="http://schemas.openxmlformats.org/drawingml/2006/main" xmlns:r="http://schemas.openxmlformats.org/officeDocument/2006/relationships" xmlns:p="http://schemas.openxmlformats.org/presentationml/2006/main">
+  <p:cm authorId="1" dt="2026-01-20T16:57:43.025" idx="1">
+    <p:pos x="10" y="10"/>
+    <p:text>En el capitulo dos se ingresa todo lo que se conoce acerca del tema,</p:text>
+    <p:extLst>
+      <p:ext uri="{C676402C-5697-4E1C-873F-D02D1690AC5C}">
+        <p15:threadingInfo xmlns:p15="http://schemas.microsoft.com/office/powerpoint/2012/main" timeZoneBias="300"/>
+      </p:ext>
+    </p:extLst>
+  </p:cm>
+</p:cmLst>
+</file>
+
+<file path=ppt/comments/comment2.xml><?xml version="1.0" encoding="utf-8"?>
+<p:cmLst xmlns:a="http://schemas.openxmlformats.org/drawingml/2006/main" xmlns:r="http://schemas.openxmlformats.org/officeDocument/2006/relationships" xmlns:p="http://schemas.openxmlformats.org/presentationml/2006/main">
+  <p:cm authorId="1" dt="2026-01-20T16:59:01.535" idx="2">
+    <p:pos x="10" y="10"/>
+    <p:text>las fuentes bibliogradicas de 2016 en adelante.</p:text>
+    <p:extLst>
+      <p:ext uri="{C676402C-5697-4E1C-873F-D02D1690AC5C}">
+        <p15:threadingInfo xmlns:p15="http://schemas.microsoft.com/office/powerpoint/2012/main" timeZoneBias="300"/>
+      </p:ext>
+    </p:extLst>
+  </p:cm>
+  <p:cm authorId="1" dt="2026-01-20T17:10:31.640" idx="3">
+    <p:pos x="6724" y="2324"/>
+    <p:text>para el siguiente martes marco teorico del tema a nivel de plano.</p:text>
+    <p:extLst>
+      <p:ext uri="{C676402C-5697-4E1C-873F-D02D1690AC5C}">
+        <p15:threadingInfo xmlns:p15="http://schemas.microsoft.com/office/powerpoint/2012/main" timeZoneBias="300"/>
+      </p:ext>
+    </p:extLst>
+  </p:cm>
+</p:cmLst>
+</file>
+
 <file path=ppt/slideLayouts/slideLayout1.xml><?xml version="1.0" encoding="utf-8"?>
 <p:sldLayout xmlns:a="http://schemas.openxmlformats.org/drawingml/2006/main" xmlns:r="http://schemas.openxmlformats.org/officeDocument/2006/relationships" xmlns:p="http://schemas.openxmlformats.org/presentationml/2006/main" type="title" preserve="1">
   <p:cSld name="Diapositiva de título">
@@ -271,7 +321,7 @@
           <a:p>
             <a:fld id="{57FBF6DC-539E-4B2A-A21E-CEA4B38187F9}" type="datetimeFigureOut">
               <a:rPr lang="es-PE" smtClean="0"/>
-              <a:t>19/01/2026</a:t>
+              <a:t>20/01/2026</a:t>
             </a:fld>
             <a:endParaRPr lang="es-PE"/>
           </a:p>
@@ -471,7 +521,7 @@
           <a:p>
             <a:fld id="{57FBF6DC-539E-4B2A-A21E-CEA4B38187F9}" type="datetimeFigureOut">
               <a:rPr lang="es-PE" smtClean="0"/>
-              <a:t>19/01/2026</a:t>
+              <a:t>20/01/2026</a:t>
             </a:fld>
             <a:endParaRPr lang="es-PE"/>
           </a:p>
@@ -681,7 +731,7 @@
           <a:p>
             <a:fld id="{57FBF6DC-539E-4B2A-A21E-CEA4B38187F9}" type="datetimeFigureOut">
               <a:rPr lang="es-PE" smtClean="0"/>
-              <a:t>19/01/2026</a:t>
+              <a:t>20/01/2026</a:t>
             </a:fld>
             <a:endParaRPr lang="es-PE"/>
           </a:p>
@@ -881,7 +931,7 @@
           <a:p>
             <a:fld id="{57FBF6DC-539E-4B2A-A21E-CEA4B38187F9}" type="datetimeFigureOut">
               <a:rPr lang="es-PE" smtClean="0"/>
-              <a:t>19/01/2026</a:t>
+              <a:t>20/01/2026</a:t>
             </a:fld>
             <a:endParaRPr lang="es-PE"/>
           </a:p>
@@ -1157,7 +1207,7 @@
           <a:p>
             <a:fld id="{57FBF6DC-539E-4B2A-A21E-CEA4B38187F9}" type="datetimeFigureOut">
               <a:rPr lang="es-PE" smtClean="0"/>
-              <a:t>19/01/2026</a:t>
+              <a:t>20/01/2026</a:t>
             </a:fld>
             <a:endParaRPr lang="es-PE"/>
           </a:p>
@@ -1425,7 +1475,7 @@
           <a:p>
             <a:fld id="{57FBF6DC-539E-4B2A-A21E-CEA4B38187F9}" type="datetimeFigureOut">
               <a:rPr lang="es-PE" smtClean="0"/>
-              <a:t>19/01/2026</a:t>
+              <a:t>20/01/2026</a:t>
             </a:fld>
             <a:endParaRPr lang="es-PE"/>
           </a:p>
@@ -1840,7 +1890,7 @@
           <a:p>
             <a:fld id="{57FBF6DC-539E-4B2A-A21E-CEA4B38187F9}" type="datetimeFigureOut">
               <a:rPr lang="es-PE" smtClean="0"/>
-              <a:t>19/01/2026</a:t>
+              <a:t>20/01/2026</a:t>
             </a:fld>
             <a:endParaRPr lang="es-PE"/>
           </a:p>
@@ -1982,7 +2032,7 @@
           <a:p>
             <a:fld id="{57FBF6DC-539E-4B2A-A21E-CEA4B38187F9}" type="datetimeFigureOut">
               <a:rPr lang="es-PE" smtClean="0"/>
-              <a:t>19/01/2026</a:t>
+              <a:t>20/01/2026</a:t>
             </a:fld>
             <a:endParaRPr lang="es-PE"/>
           </a:p>
@@ -2095,7 +2145,7 @@
           <a:p>
             <a:fld id="{57FBF6DC-539E-4B2A-A21E-CEA4B38187F9}" type="datetimeFigureOut">
               <a:rPr lang="es-PE" smtClean="0"/>
-              <a:t>19/01/2026</a:t>
+              <a:t>20/01/2026</a:t>
             </a:fld>
             <a:endParaRPr lang="es-PE"/>
           </a:p>
@@ -2408,7 +2458,7 @@
           <a:p>
             <a:fld id="{57FBF6DC-539E-4B2A-A21E-CEA4B38187F9}" type="datetimeFigureOut">
               <a:rPr lang="es-PE" smtClean="0"/>
-              <a:t>19/01/2026</a:t>
+              <a:t>20/01/2026</a:t>
             </a:fld>
             <a:endParaRPr lang="es-PE"/>
           </a:p>
@@ -2697,7 +2747,7 @@
           <a:p>
             <a:fld id="{57FBF6DC-539E-4B2A-A21E-CEA4B38187F9}" type="datetimeFigureOut">
               <a:rPr lang="es-PE" smtClean="0"/>
-              <a:t>19/01/2026</a:t>
+              <a:t>20/01/2026</a:t>
             </a:fld>
             <a:endParaRPr lang="es-PE"/>
           </a:p>
@@ -2940,7 +2990,7 @@
           <a:p>
             <a:fld id="{57FBF6DC-539E-4B2A-A21E-CEA4B38187F9}" type="datetimeFigureOut">
               <a:rPr lang="es-PE" smtClean="0"/>
-              <a:t>19/01/2026</a:t>
+              <a:t>20/01/2026</a:t>
             </a:fld>
             <a:endParaRPr lang="es-PE"/>
           </a:p>
@@ -3384,6 +3434,10 @@
               <a:rPr lang="es-PE" sz="3600" dirty="0"/>
               <a:t>TEMA 5: </a:t>
             </a:r>
+            <a:r>
+              <a:rPr lang="es-PE" sz="3600"/>
+              <a:t/>
+            </a:r>
             <a:br>
               <a:rPr lang="es-PE" sz="3600"/>
             </a:br>
@@ -3453,6 +3507,195 @@
           <a:chExt cx="0" cy="0"/>
         </a:xfrm>
       </p:grpSpPr>
+      <p:pic>
+        <p:nvPicPr>
+          <p:cNvPr id="4" name="Imagen 3">
+            <a:extLst>
+              <a:ext uri="{FF2B5EF4-FFF2-40B4-BE49-F238E27FC236}">
+                <a16:creationId xmlns:a16="http://schemas.microsoft.com/office/drawing/2014/main" id="{08C7A2D2-D3A2-A9AA-0745-B2016CC262D6}"/>
+              </a:ext>
+            </a:extLst>
+          </p:cNvPr>
+          <p:cNvPicPr>
+            <a:picLocks noChangeAspect="1"/>
+          </p:cNvPicPr>
+          <p:nvPr/>
+        </p:nvPicPr>
+        <p:blipFill>
+          <a:blip r:embed="rId2"/>
+          <a:stretch>
+            <a:fillRect/>
+          </a:stretch>
+        </p:blipFill>
+        <p:spPr>
+          <a:xfrm>
+            <a:off x="8625839" y="4301348"/>
+            <a:ext cx="3533801" cy="2556652"/>
+          </a:xfrm>
+          <a:prstGeom prst="rect">
+            <a:avLst/>
+          </a:prstGeom>
+        </p:spPr>
+      </p:pic>
+      <p:sp>
+        <p:nvSpPr>
+          <p:cNvPr id="2" name="Título 1">
+            <a:extLst>
+              <a:ext uri="{FF2B5EF4-FFF2-40B4-BE49-F238E27FC236}">
+                <a16:creationId xmlns:a16="http://schemas.microsoft.com/office/drawing/2014/main" id="{328DE8D8-EC80-EECB-FAB3-E0C929B2A0CC}"/>
+              </a:ext>
+            </a:extLst>
+          </p:cNvPr>
+          <p:cNvSpPr>
+            <a:spLocks noGrp="1"/>
+          </p:cNvSpPr>
+          <p:nvPr>
+            <p:ph type="title"/>
+          </p:nvPr>
+        </p:nvSpPr>
+        <p:spPr/>
+        <p:txBody>
+          <a:bodyPr>
+            <a:normAutofit/>
+          </a:bodyPr>
+          <a:lstStyle/>
+          <a:p>
+            <a:r>
+              <a:rPr lang="es-PE" sz="2800" dirty="0"/>
+              <a:t>FASES QUE COMPRENDE LA ELABORACIÓN DEL MARCO TEORICO</a:t>
+            </a:r>
+          </a:p>
+        </p:txBody>
+      </p:sp>
+      <p:sp>
+        <p:nvSpPr>
+          <p:cNvPr id="3" name="Marcador de contenido 2">
+            <a:extLst>
+              <a:ext uri="{FF2B5EF4-FFF2-40B4-BE49-F238E27FC236}">
+                <a16:creationId xmlns:a16="http://schemas.microsoft.com/office/drawing/2014/main" id="{9A6449CD-756F-7442-2E7B-F7E9AD2E8B05}"/>
+              </a:ext>
+            </a:extLst>
+          </p:cNvPr>
+          <p:cNvSpPr>
+            <a:spLocks noGrp="1"/>
+          </p:cNvSpPr>
+          <p:nvPr>
+            <p:ph idx="1"/>
+          </p:nvPr>
+        </p:nvSpPr>
+        <p:spPr>
+          <a:xfrm>
+            <a:off x="739140" y="1934487"/>
+            <a:ext cx="8778240" cy="3818614"/>
+          </a:xfrm>
+        </p:spPr>
+        <p:txBody>
+          <a:bodyPr anchor="ctr">
+            <a:normAutofit/>
+          </a:bodyPr>
+          <a:lstStyle/>
+          <a:p>
+            <a:pPr marL="514350" indent="-514350">
+              <a:buFont typeface="+mj-lt"/>
+              <a:buAutoNum type="arabicPeriod"/>
+            </a:pPr>
+            <a:r>
+              <a:rPr lang="es-PE" sz="2000" dirty="0"/>
+              <a:t>Detección y obtención de la literatura pertinente de acuerdo al planteamiento del problema de investigación (fuentes bibliográficas).</a:t>
+            </a:r>
+          </a:p>
+          <a:p>
+            <a:pPr marL="514350" indent="-514350">
+              <a:buFont typeface="+mj-lt"/>
+              <a:buAutoNum type="arabicPeriod"/>
+            </a:pPr>
+            <a:r>
+              <a:rPr lang="es-PE" sz="2000" dirty="0"/>
+              <a:t>Revisión analítica y selectiva de la literatura.</a:t>
+            </a:r>
+          </a:p>
+          <a:p>
+            <a:pPr marL="514350" indent="-514350">
+              <a:buFont typeface="+mj-lt"/>
+              <a:buAutoNum type="arabicPeriod"/>
+            </a:pPr>
+            <a:r>
+              <a:rPr lang="es-PE" sz="2000" dirty="0"/>
+              <a:t>Evaluación del panorama que nos revele la revisión de la literatura.</a:t>
+            </a:r>
+          </a:p>
+          <a:p>
+            <a:pPr marL="514350" indent="-514350">
+              <a:buFont typeface="+mj-lt"/>
+              <a:buAutoNum type="arabicPeriod"/>
+            </a:pPr>
+            <a:r>
+              <a:rPr lang="es-PE" sz="2000" dirty="0"/>
+              <a:t>Organización y estructuración de la literatura.</a:t>
+            </a:r>
+          </a:p>
+          <a:p>
+            <a:pPr marL="514350" indent="-514350">
+              <a:buFont typeface="+mj-lt"/>
+              <a:buAutoNum type="arabicPeriod"/>
+            </a:pPr>
+            <a:r>
+              <a:rPr lang="es-PE" sz="2000" dirty="0"/>
+              <a:t>Elección del tipo de estructura deseada y elaboración de un índice del marco teórico.</a:t>
+            </a:r>
+          </a:p>
+          <a:p>
+            <a:pPr marL="514350" indent="-514350">
+              <a:buFont typeface="+mj-lt"/>
+              <a:buAutoNum type="arabicPeriod"/>
+            </a:pPr>
+            <a:r>
+              <a:rPr lang="es-PE" sz="2000" dirty="0"/>
+              <a:t>Redacción del marco teórico.</a:t>
+            </a:r>
+          </a:p>
+          <a:p>
+            <a:pPr marL="514350" indent="-514350">
+              <a:buFont typeface="+mj-lt"/>
+              <a:buAutoNum type="arabicPeriod"/>
+            </a:pPr>
+            <a:r>
+              <a:rPr lang="es-PE" sz="2000" dirty="0"/>
+              <a:t>Revisión del marco teórico.</a:t>
+            </a:r>
+          </a:p>
+        </p:txBody>
+      </p:sp>
+    </p:spTree>
+    <p:extLst>
+      <p:ext uri="{BB962C8B-B14F-4D97-AF65-F5344CB8AC3E}">
+        <p14:creationId xmlns:p14="http://schemas.microsoft.com/office/powerpoint/2010/main" val="3196811404"/>
+      </p:ext>
+    </p:extLst>
+  </p:cSld>
+  <p:clrMapOvr>
+    <a:masterClrMapping/>
+  </p:clrMapOvr>
+</p:sld>
+</file>
+
+<file path=ppt/slides/slide11.xml><?xml version="1.0" encoding="utf-8"?>
+<p:sld xmlns:a="http://schemas.openxmlformats.org/drawingml/2006/main" xmlns:r="http://schemas.openxmlformats.org/officeDocument/2006/relationships" xmlns:p="http://schemas.openxmlformats.org/presentationml/2006/main">
+  <p:cSld>
+    <p:spTree>
+      <p:nvGrpSpPr>
+        <p:cNvPr id="1" name=""/>
+        <p:cNvGrpSpPr/>
+        <p:nvPr/>
+      </p:nvGrpSpPr>
+      <p:grpSpPr>
+        <a:xfrm>
+          <a:off x="0" y="0"/>
+          <a:ext cx="0" cy="0"/>
+          <a:chOff x="0" y="0"/>
+          <a:chExt cx="0" cy="0"/>
+        </a:xfrm>
+      </p:grpSpPr>
       <p:sp>
         <p:nvSpPr>
           <p:cNvPr id="2" name="Título 1">
@@ -3754,7 +3997,7 @@
 </p:sld>
 </file>
 
-<file path=ppt/slides/slide11.xml><?xml version="1.0" encoding="utf-8"?>
+<file path=ppt/slides/slide12.xml><?xml version="1.0" encoding="utf-8"?>
 <p:sld xmlns:a="http://schemas.openxmlformats.org/drawingml/2006/main" xmlns:r="http://schemas.openxmlformats.org/officeDocument/2006/relationships" xmlns:p="http://schemas.openxmlformats.org/presentationml/2006/main">
   <p:cSld>
     <p:spTree>
@@ -5054,13 +5297,7 @@
       </p:grpSpPr>
       <p:sp>
         <p:nvSpPr>
-          <p:cNvPr id="2" name="Título 1">
-            <a:extLst>
-              <a:ext uri="{FF2B5EF4-FFF2-40B4-BE49-F238E27FC236}">
-                <a16:creationId xmlns:a16="http://schemas.microsoft.com/office/drawing/2014/main" id="{1264625A-2B71-6FA1-F1D7-0A7CBD6F7D5F}"/>
-              </a:ext>
-            </a:extLst>
-          </p:cNvPr>
+          <p:cNvPr id="2" name="Título 1"/>
           <p:cNvSpPr>
             <a:spLocks noGrp="1"/>
           </p:cNvSpPr>
@@ -5070,27 +5307,20 @@
         </p:nvSpPr>
         <p:spPr/>
         <p:txBody>
-          <a:bodyPr>
-            <a:normAutofit/>
-          </a:bodyPr>
-          <a:lstStyle/>
-          <a:p>
-            <a:r>
-              <a:rPr lang="es-PE" sz="2800" dirty="0"/>
-              <a:t>Elaboración del marco teórico</a:t>
-            </a:r>
-          </a:p>
-        </p:txBody>
-      </p:sp>
-      <p:sp>
-        <p:nvSpPr>
-          <p:cNvPr id="3" name="Marcador de contenido 2">
-            <a:extLst>
-              <a:ext uri="{FF2B5EF4-FFF2-40B4-BE49-F238E27FC236}">
-                <a16:creationId xmlns:a16="http://schemas.microsoft.com/office/drawing/2014/main" id="{E23986EF-C903-0598-DB77-1F3515CCA163}"/>
-              </a:ext>
-            </a:extLst>
-          </p:cNvPr>
+          <a:bodyPr/>
+          <a:lstStyle/>
+          <a:p>
+            <a:r>
+              <a:rPr lang="es-MX" dirty="0" smtClean="0"/>
+              <a:t>2 Marco teórico</a:t>
+            </a:r>
+            <a:endParaRPr lang="en-US" dirty="0"/>
+          </a:p>
+        </p:txBody>
+      </p:sp>
+      <p:sp>
+        <p:nvSpPr>
+          <p:cNvPr id="3" name="Marcador de contenido 2"/>
           <p:cNvSpPr>
             <a:spLocks noGrp="1"/>
           </p:cNvSpPr>
@@ -5098,48 +5328,120 @@
             <p:ph idx="1"/>
           </p:nvPr>
         </p:nvSpPr>
-        <p:spPr>
-          <a:xfrm>
-            <a:off x="2355574" y="1690688"/>
-            <a:ext cx="8998226" cy="4486275"/>
-          </a:xfrm>
-        </p:spPr>
-        <p:txBody>
-          <a:bodyPr anchor="ctr">
-            <a:normAutofit fontScale="85000" lnSpcReduction="20000"/>
-          </a:bodyPr>
-          <a:lstStyle/>
-          <a:p>
-            <a:pPr marL="0" indent="0" algn="ctr">
-              <a:lnSpc>
-                <a:spcPct val="150000"/>
-              </a:lnSpc>
-              <a:buNone/>
-            </a:pPr>
-            <a:r>
-              <a:rPr lang="es-MX" dirty="0"/>
-              <a:t>Una vez planteado el problema de investigación, el siguiente paso dentro de la ruta cuantitativa consiste en sustentar teóricamente el estudio, lo que se denomina elaboración del marco teórico. Ello implica analizar y exponer de una manera organizada las teorías, investigaciones previas y los antecedentes en general que se consideren válidos y adecuados para contextualizar y orientar tu estudio. Asimismo, </a:t>
-            </a:r>
-            <a:r>
-              <a:rPr lang="es-MX" dirty="0">
-                <a:solidFill>
-                  <a:srgbClr val="FF0000"/>
-                </a:solidFill>
-              </a:rPr>
-              <a:t>es importante aclarar que “marco teórico” no es lo mismo que “teoría”; por lo tanto, no todos los estudios que incluyen un marco teórico tienen que fundamentarse en una teoría.</a:t>
-            </a:r>
-            <a:endParaRPr lang="es-PE" dirty="0">
-              <a:solidFill>
-                <a:srgbClr val="FF0000"/>
-              </a:solidFill>
-            </a:endParaRPr>
+        <p:spPr/>
+        <p:txBody>
+          <a:bodyPr/>
+          <a:lstStyle/>
+          <a:p>
+            <a:r>
+              <a:rPr lang="es-MX" dirty="0" smtClean="0"/>
+              <a:t>2.1 Antecedentes (el estado del Arte): autor de la investigación, titulo, breve descripción, metodología de investigación, principal conclusión. Un máximo de quince líneas. </a:t>
+            </a:r>
+            <a:endParaRPr lang="es-MX" dirty="0"/>
+          </a:p>
+          <a:p>
+            <a:r>
+              <a:rPr lang="es-MX" dirty="0" smtClean="0"/>
+              <a:t>2.2 Marco teórico del tema</a:t>
+            </a:r>
+          </a:p>
+          <a:p>
+            <a:r>
+              <a:rPr lang="es-MX" dirty="0" smtClean="0"/>
+              <a:t>2.3</a:t>
+            </a:r>
+            <a:r>
+              <a:rPr lang="en-US" dirty="0" smtClean="0"/>
+              <a:t> Marco conceptual (</a:t>
+            </a:r>
+            <a:r>
+              <a:rPr lang="en-US" dirty="0" err="1" smtClean="0"/>
+              <a:t>glosario</a:t>
+            </a:r>
+            <a:r>
+              <a:rPr lang="en-US" dirty="0" smtClean="0"/>
+              <a:t>) </a:t>
+            </a:r>
+            <a:r>
+              <a:rPr lang="en-US" dirty="0" err="1" smtClean="0"/>
+              <a:t>Concepto</a:t>
+            </a:r>
+            <a:r>
+              <a:rPr lang="en-US" dirty="0" smtClean="0"/>
+              <a:t> y </a:t>
+            </a:r>
+            <a:r>
+              <a:rPr lang="en-US" dirty="0" err="1" smtClean="0"/>
+              <a:t>por</a:t>
+            </a:r>
+            <a:r>
+              <a:rPr lang="en-US" dirty="0" smtClean="0"/>
+              <a:t> </a:t>
+            </a:r>
+            <a:r>
+              <a:rPr lang="en-US" dirty="0" err="1" smtClean="0"/>
+              <a:t>cada</a:t>
+            </a:r>
+            <a:r>
+              <a:rPr lang="en-US" dirty="0" smtClean="0"/>
+              <a:t> </a:t>
+            </a:r>
+            <a:r>
+              <a:rPr lang="en-US" dirty="0" err="1" smtClean="0"/>
+              <a:t>concepto</a:t>
+            </a:r>
+            <a:r>
+              <a:rPr lang="en-US" dirty="0" smtClean="0"/>
+              <a:t> la </a:t>
+            </a:r>
+            <a:r>
+              <a:rPr lang="en-US" dirty="0" err="1" smtClean="0"/>
+              <a:t>definición</a:t>
+            </a:r>
+            <a:r>
+              <a:rPr lang="en-US" dirty="0" smtClean="0"/>
+              <a:t> </a:t>
+            </a:r>
+            <a:r>
+              <a:rPr lang="en-US" dirty="0" err="1" smtClean="0"/>
+              <a:t>obviamente</a:t>
+            </a:r>
+            <a:r>
+              <a:rPr lang="en-US" dirty="0" smtClean="0"/>
+              <a:t> </a:t>
+            </a:r>
+            <a:r>
+              <a:rPr lang="en-US" dirty="0" err="1" smtClean="0"/>
+              <a:t>citado</a:t>
+            </a:r>
+            <a:r>
+              <a:rPr lang="en-US" dirty="0" smtClean="0"/>
+              <a:t>. “Ulises me pica </a:t>
+            </a:r>
+            <a:r>
+              <a:rPr lang="en-US" dirty="0" err="1" smtClean="0"/>
+              <a:t>tu</a:t>
+            </a:r>
+            <a:r>
+              <a:rPr lang="en-US" dirty="0" smtClean="0"/>
+              <a:t> </a:t>
+            </a:r>
+            <a:r>
+              <a:rPr lang="en-US" dirty="0" err="1" smtClean="0"/>
+              <a:t>cabeza</a:t>
+            </a:r>
+            <a:r>
+              <a:rPr lang="en-US" dirty="0" smtClean="0"/>
+              <a:t>”(Rojas,2026)</a:t>
+            </a:r>
+            <a:endParaRPr lang="es-MX" dirty="0" smtClean="0"/>
           </a:p>
         </p:txBody>
       </p:sp>
     </p:spTree>
     <p:extLst>
       <p:ext uri="{BB962C8B-B14F-4D97-AF65-F5344CB8AC3E}">
-        <p14:creationId xmlns:p14="http://schemas.microsoft.com/office/powerpoint/2010/main" val="3637419821"/>
+        <p14:creationId xmlns:p14="http://schemas.microsoft.com/office/powerpoint/2010/main" val="3543663605"/>
       </p:ext>
     </p:extLst>
   </p:cSld>
@@ -5166,42 +5468,12 @@
           <a:chExt cx="0" cy="0"/>
         </a:xfrm>
       </p:grpSpPr>
-      <p:pic>
-        <p:nvPicPr>
-          <p:cNvPr id="5" name="Imagen 4">
-            <a:extLst>
-              <a:ext uri="{FF2B5EF4-FFF2-40B4-BE49-F238E27FC236}">
-                <a16:creationId xmlns:a16="http://schemas.microsoft.com/office/drawing/2014/main" id="{791F25B8-07C0-C5C0-437F-8C372EFC7983}"/>
-              </a:ext>
-            </a:extLst>
-          </p:cNvPr>
-          <p:cNvPicPr>
-            <a:picLocks noChangeAspect="1"/>
-          </p:cNvPicPr>
-          <p:nvPr/>
-        </p:nvPicPr>
-        <p:blipFill>
-          <a:blip r:embed="rId2"/>
-          <a:stretch>
-            <a:fillRect/>
-          </a:stretch>
-        </p:blipFill>
-        <p:spPr>
-          <a:xfrm>
-            <a:off x="7192549" y="3525033"/>
-            <a:ext cx="4999451" cy="3332967"/>
-          </a:xfrm>
-          <a:prstGeom prst="rect">
-            <a:avLst/>
-          </a:prstGeom>
-        </p:spPr>
-      </p:pic>
       <p:sp>
         <p:nvSpPr>
           <p:cNvPr id="2" name="Título 1">
             <a:extLst>
               <a:ext uri="{FF2B5EF4-FFF2-40B4-BE49-F238E27FC236}">
-                <a16:creationId xmlns:a16="http://schemas.microsoft.com/office/drawing/2014/main" id="{B661D95F-2520-9421-49DB-27181624EEA9}"/>
+                <a16:creationId xmlns:a16="http://schemas.microsoft.com/office/drawing/2014/main" id="{1264625A-2B71-6FA1-F1D7-0A7CBD6F7D5F}"/>
               </a:ext>
             </a:extLst>
           </p:cNvPr>
@@ -5219,10 +5491,9 @@
           </a:bodyPr>
           <a:lstStyle/>
           <a:p>
-            <a:pPr algn="ctr"/>
             <a:r>
               <a:rPr lang="es-PE" sz="2800" dirty="0"/>
-              <a:t>Disponibilidad del marco teórico</a:t>
+              <a:t>Elaboración del marco teórico</a:t>
             </a:r>
           </a:p>
         </p:txBody>
@@ -5232,7 +5503,7 @@
           <p:cNvPr id="3" name="Marcador de contenido 2">
             <a:extLst>
               <a:ext uri="{FF2B5EF4-FFF2-40B4-BE49-F238E27FC236}">
-                <a16:creationId xmlns:a16="http://schemas.microsoft.com/office/drawing/2014/main" id="{8BA61D3E-9D01-7B55-CCA8-EC373ADA7145}"/>
+                <a16:creationId xmlns:a16="http://schemas.microsoft.com/office/drawing/2014/main" id="{E23986EF-C903-0598-DB77-1F3515CCA163}"/>
               </a:ext>
             </a:extLst>
           </p:cNvPr>
@@ -5245,13 +5516,13 @@
         </p:nvSpPr>
         <p:spPr>
           <a:xfrm>
-            <a:off x="838200" y="1825625"/>
-            <a:ext cx="6790151" cy="4351338"/>
+            <a:off x="2355574" y="1690688"/>
+            <a:ext cx="8998226" cy="4486275"/>
           </a:xfrm>
         </p:spPr>
         <p:txBody>
-          <a:bodyPr>
-            <a:normAutofit/>
+          <a:bodyPr anchor="ctr">
+            <a:normAutofit fontScale="85000" lnSpcReduction="20000"/>
           </a:bodyPr>
           <a:lstStyle/>
           <a:p>
@@ -5262,44 +5533,29 @@
               <a:buNone/>
             </a:pPr>
             <a:r>
-              <a:rPr lang="es-MX" sz="2000" dirty="0"/>
-              <a:t>Siempre es indispensable contar con antecedentes para enmarcar nuestro estudio y tener una visión de dónde se sitúa el planteamiento propuesto dentro del campo de conocimiento en el cual nos “moveremos”.</a:t>
-            </a:r>
-          </a:p>
-          <a:p>
-            <a:pPr marL="0" indent="0" algn="ctr">
-              <a:lnSpc>
-                <a:spcPct val="150000"/>
-              </a:lnSpc>
-              <a:buNone/>
-            </a:pPr>
-            <a:r>
-              <a:rPr lang="es-MX" sz="2000" dirty="0"/>
-              <a:t>El marco teórico señala cómo encaja nuestra investigación en el conjunto de lo que se conoce sobre un fenómeno o problema estudiado (el panorama mayor o </a:t>
-            </a:r>
-            <a:r>
-              <a:rPr lang="es-MX" sz="2000" dirty="0" err="1"/>
-              <a:t>big</a:t>
-            </a:r>
-            <a:r>
-              <a:rPr lang="es-MX" sz="2000" dirty="0"/>
-              <a:t> </a:t>
-            </a:r>
-            <a:r>
-              <a:rPr lang="es-MX" sz="2000" dirty="0" err="1"/>
-              <a:t>picture</a:t>
-            </a:r>
-            <a:r>
-              <a:rPr lang="es-MX" sz="2000" dirty="0"/>
-              <a:t>). Además, puede suministrar ideas nuevas y resultar útil para compartir los descubrimientos recientes de otros investigadores.</a:t>
-            </a:r>
+              <a:rPr lang="es-MX" dirty="0"/>
+              <a:t>Una vez planteado el problema de investigación, el siguiente paso dentro de la ruta cuantitativa consiste en sustentar teóricamente el estudio, lo que se denomina elaboración del marco teórico. Ello implica analizar y exponer de una manera organizada las teorías, investigaciones previas y los antecedentes en general que se consideren válidos y adecuados para contextualizar y orientar tu estudio. Asimismo, </a:t>
+            </a:r>
+            <a:r>
+              <a:rPr lang="es-MX" dirty="0">
+                <a:solidFill>
+                  <a:srgbClr val="FF0000"/>
+                </a:solidFill>
+              </a:rPr>
+              <a:t>es importante aclarar que “marco teórico” no es lo mismo que “teoría”; por lo tanto, no todos los estudios que incluyen un marco teórico tienen que fundamentarse en una teoría.</a:t>
+            </a:r>
+            <a:endParaRPr lang="es-PE" dirty="0">
+              <a:solidFill>
+                <a:srgbClr val="FF0000"/>
+              </a:solidFill>
+            </a:endParaRPr>
           </a:p>
         </p:txBody>
       </p:sp>
     </p:spTree>
     <p:extLst>
       <p:ext uri="{BB962C8B-B14F-4D97-AF65-F5344CB8AC3E}">
-        <p14:creationId xmlns:p14="http://schemas.microsoft.com/office/powerpoint/2010/main" val="4033734851"/>
+        <p14:creationId xmlns:p14="http://schemas.microsoft.com/office/powerpoint/2010/main" val="3637419821"/>
       </p:ext>
     </p:extLst>
   </p:cSld>
@@ -5328,10 +5584,10 @@
       </p:grpSpPr>
       <p:pic>
         <p:nvPicPr>
-          <p:cNvPr id="4" name="Imagen 3">
-            <a:extLst>
-              <a:ext uri="{FF2B5EF4-FFF2-40B4-BE49-F238E27FC236}">
-                <a16:creationId xmlns:a16="http://schemas.microsoft.com/office/drawing/2014/main" id="{341F3FF0-00B7-3D91-3A2B-FD3054FD1A8D}"/>
+          <p:cNvPr id="5" name="Imagen 4">
+            <a:extLst>
+              <a:ext uri="{FF2B5EF4-FFF2-40B4-BE49-F238E27FC236}">
+                <a16:creationId xmlns:a16="http://schemas.microsoft.com/office/drawing/2014/main" id="{791F25B8-07C0-C5C0-437F-8C372EFC7983}"/>
               </a:ext>
             </a:extLst>
           </p:cNvPr>
@@ -5348,8 +5604,8 @@
         </p:blipFill>
         <p:spPr>
           <a:xfrm>
-            <a:off x="9501809" y="4021426"/>
-            <a:ext cx="2690191" cy="2812472"/>
+            <a:off x="7192549" y="3525033"/>
+            <a:ext cx="4999451" cy="3332967"/>
           </a:xfrm>
           <a:prstGeom prst="rect">
             <a:avLst/>
@@ -5361,7 +5617,7 @@
           <p:cNvPr id="2" name="Título 1">
             <a:extLst>
               <a:ext uri="{FF2B5EF4-FFF2-40B4-BE49-F238E27FC236}">
-                <a16:creationId xmlns:a16="http://schemas.microsoft.com/office/drawing/2014/main" id="{ACC72AD0-B20B-51A0-567F-C2F10749E2DA}"/>
+                <a16:creationId xmlns:a16="http://schemas.microsoft.com/office/drawing/2014/main" id="{B661D95F-2520-9421-49DB-27181624EEA9}"/>
               </a:ext>
             </a:extLst>
           </p:cNvPr>
@@ -5379,9 +5635,10 @@
           </a:bodyPr>
           <a:lstStyle/>
           <a:p>
+            <a:pPr algn="ctr"/>
             <a:r>
               <a:rPr lang="es-PE" sz="2800" dirty="0"/>
-              <a:t>UTILIDAD DEL MARCO TEORICO</a:t>
+              <a:t>Disponibilidad del marco teórico</a:t>
             </a:r>
           </a:p>
         </p:txBody>
@@ -5391,7 +5648,7 @@
           <p:cNvPr id="3" name="Marcador de contenido 2">
             <a:extLst>
               <a:ext uri="{FF2B5EF4-FFF2-40B4-BE49-F238E27FC236}">
-                <a16:creationId xmlns:a16="http://schemas.microsoft.com/office/drawing/2014/main" id="{35D0D8D0-2AAC-794B-84E8-A2BFF3B78992}"/>
+                <a16:creationId xmlns:a16="http://schemas.microsoft.com/office/drawing/2014/main" id="{8BA61D3E-9D01-7B55-CCA8-EC373ADA7145}"/>
               </a:ext>
             </a:extLst>
           </p:cNvPr>
@@ -5404,122 +5661,61 @@
         </p:nvSpPr>
         <p:spPr>
           <a:xfrm>
-            <a:off x="838200" y="1500809"/>
-            <a:ext cx="9608820" cy="5188226"/>
+            <a:off x="838200" y="1825625"/>
+            <a:ext cx="6790151" cy="4351338"/>
           </a:xfrm>
         </p:spPr>
         <p:txBody>
           <a:bodyPr>
-            <a:normAutofit fontScale="70000" lnSpcReduction="20000"/>
+            <a:normAutofit/>
           </a:bodyPr>
           <a:lstStyle/>
           <a:p>
-            <a:pPr marL="514350" indent="-514350">
-              <a:buFont typeface="+mj-lt"/>
-              <a:buAutoNum type="arabicPeriod"/>
+            <a:pPr marL="0" indent="0" algn="ctr">
+              <a:lnSpc>
+                <a:spcPct val="150000"/>
+              </a:lnSpc>
+              <a:buNone/>
             </a:pPr>
             <a:r>
-              <a:rPr lang="es-MX" dirty="0"/>
-              <a:t>Ayudarnos a afinar el planteamiento del problema (todos sus componentes). </a:t>
-            </a:r>
-          </a:p>
-          <a:p>
-            <a:pPr marL="514350" indent="-514350">
-              <a:buFont typeface="+mj-lt"/>
-              <a:buAutoNum type="arabicPeriod"/>
+              <a:rPr lang="es-MX" sz="2000" dirty="0"/>
+              <a:t>Siempre es indispensable contar con antecedentes para enmarcar nuestro estudio y tener una visión de dónde se sitúa el planteamiento propuesto dentro del campo de conocimiento en el cual nos “moveremos”.</a:t>
+            </a:r>
+          </a:p>
+          <a:p>
+            <a:pPr marL="0" indent="0" algn="ctr">
+              <a:lnSpc>
+                <a:spcPct val="150000"/>
+              </a:lnSpc>
+              <a:buNone/>
             </a:pPr>
             <a:r>
-              <a:rPr lang="es-MX" dirty="0"/>
-              <a:t>Guiarnos e iluminarnos sobre cuál es la forma más adecuada y pertinente de realizar nuestra investigación. </a:t>
-            </a:r>
-          </a:p>
-          <a:p>
-            <a:pPr marL="514350" indent="-514350">
-              <a:buFont typeface="+mj-lt"/>
-              <a:buAutoNum type="arabicPeriod"/>
-            </a:pPr>
-            <a:r>
-              <a:rPr lang="es-MX" dirty="0"/>
-              <a:t>Orientarnos sobre lo que queremos y lo que no queremos para nuestra investigación. </a:t>
-            </a:r>
-          </a:p>
-          <a:p>
-            <a:pPr marL="514350" indent="-514350">
-              <a:buFont typeface="+mj-lt"/>
-              <a:buAutoNum type="arabicPeriod"/>
-            </a:pPr>
-            <a:r>
-              <a:rPr lang="es-MX" dirty="0"/>
-              <a:t>Evitarnos errores que se han cometido en estudios previos (función preventiva). </a:t>
-            </a:r>
-          </a:p>
-          <a:p>
-            <a:pPr marL="514350" indent="-514350">
-              <a:buFont typeface="+mj-lt"/>
-              <a:buAutoNum type="arabicPeriod"/>
-            </a:pPr>
-            <a:r>
-              <a:rPr lang="es-MX" dirty="0"/>
-              <a:t>Ampliar el horizonte del estudio. </a:t>
-            </a:r>
-          </a:p>
-          <a:p>
-            <a:pPr marL="514350" indent="-514350">
-              <a:buFont typeface="+mj-lt"/>
-              <a:buAutoNum type="arabicPeriod"/>
-            </a:pPr>
-            <a:r>
-              <a:rPr lang="es-MX" dirty="0"/>
-              <a:t>Encaminarnos para que nos centremos en el planteamiento problema y evitar desviaciones de este. </a:t>
-            </a:r>
-          </a:p>
-          <a:p>
-            <a:pPr marL="514350" indent="-514350">
-              <a:buFont typeface="+mj-lt"/>
-              <a:buAutoNum type="arabicPeriod"/>
-            </a:pPr>
-            <a:r>
-              <a:rPr lang="es-MX" dirty="0"/>
-              <a:t>Documentar la necesidad de implementar el estudio (justificación). </a:t>
-            </a:r>
-          </a:p>
-          <a:p>
-            <a:pPr marL="514350" indent="-514350">
-              <a:buFont typeface="+mj-lt"/>
-              <a:buAutoNum type="arabicPeriod"/>
-            </a:pPr>
-            <a:r>
-              <a:rPr lang="es-MX" dirty="0"/>
-              <a:t>Conducirnos al establecimiento de hipótesis o afirmaciones que habrán de someterse a prueba en la realidad, o ayudarnos a no establecerlas por razones bien fundamentadas.</a:t>
-            </a:r>
-          </a:p>
-          <a:p>
-            <a:pPr marL="514350" indent="-514350">
-              <a:buFont typeface="+mj-lt"/>
-              <a:buAutoNum type="arabicPeriod"/>
-            </a:pPr>
-            <a:r>
-              <a:rPr lang="es-MX" dirty="0"/>
-              <a:t>Inspirar nuevas líneas y áreas de investigación.</a:t>
-            </a:r>
-          </a:p>
-          <a:p>
-            <a:pPr marL="514350" indent="-514350">
-              <a:buFont typeface="+mj-lt"/>
-              <a:buAutoNum type="arabicPeriod"/>
-            </a:pPr>
-            <a:r>
-              <a:rPr lang="es-MX" dirty="0"/>
-              <a:t>Proveernos de un marco de referencia para interpretar los resultados del estudio. Aunque podemos no estar de acuerdo con dicho marco o no utilizarlo para explicar nuestros resultados, es un punto de referencia</a:t>
-            </a:r>
-            <a:endParaRPr lang="es-PE" dirty="0"/>
+              <a:rPr lang="es-MX" sz="2000" dirty="0"/>
+              <a:t>El marco teórico señala cómo encaja nuestra investigación en el conjunto de lo que se conoce sobre un fenómeno o problema estudiado (el panorama mayor o </a:t>
+            </a:r>
+            <a:r>
+              <a:rPr lang="es-MX" sz="2000" dirty="0" err="1"/>
+              <a:t>big</a:t>
+            </a:r>
+            <a:r>
+              <a:rPr lang="es-MX" sz="2000" dirty="0"/>
+              <a:t> </a:t>
+            </a:r>
+            <a:r>
+              <a:rPr lang="es-MX" sz="2000" dirty="0" err="1"/>
+              <a:t>picture</a:t>
+            </a:r>
+            <a:r>
+              <a:rPr lang="es-MX" sz="2000" dirty="0"/>
+              <a:t>). Además, puede suministrar ideas nuevas y resultar útil para compartir los descubrimientos recientes de otros investigadores.</a:t>
+            </a:r>
           </a:p>
         </p:txBody>
       </p:sp>
     </p:spTree>
     <p:extLst>
       <p:ext uri="{BB962C8B-B14F-4D97-AF65-F5344CB8AC3E}">
-        <p14:creationId xmlns:p14="http://schemas.microsoft.com/office/powerpoint/2010/main" val="1660450712"/>
+        <p14:creationId xmlns:p14="http://schemas.microsoft.com/office/powerpoint/2010/main" val="4033734851"/>
       </p:ext>
     </p:extLst>
   </p:cSld>
@@ -5551,7 +5747,7 @@
           <p:cNvPr id="4" name="Imagen 3">
             <a:extLst>
               <a:ext uri="{FF2B5EF4-FFF2-40B4-BE49-F238E27FC236}">
-                <a16:creationId xmlns:a16="http://schemas.microsoft.com/office/drawing/2014/main" id="{08C7A2D2-D3A2-A9AA-0745-B2016CC262D6}"/>
+                <a16:creationId xmlns:a16="http://schemas.microsoft.com/office/drawing/2014/main" id="{341F3FF0-00B7-3D91-3A2B-FD3054FD1A8D}"/>
               </a:ext>
             </a:extLst>
           </p:cNvPr>
@@ -5568,8 +5764,8 @@
         </p:blipFill>
         <p:spPr>
           <a:xfrm>
-            <a:off x="8625839" y="4301348"/>
-            <a:ext cx="3533801" cy="2556652"/>
+            <a:off x="9501809" y="4021426"/>
+            <a:ext cx="2690191" cy="2812472"/>
           </a:xfrm>
           <a:prstGeom prst="rect">
             <a:avLst/>
@@ -5581,7 +5777,7 @@
           <p:cNvPr id="2" name="Título 1">
             <a:extLst>
               <a:ext uri="{FF2B5EF4-FFF2-40B4-BE49-F238E27FC236}">
-                <a16:creationId xmlns:a16="http://schemas.microsoft.com/office/drawing/2014/main" id="{328DE8D8-EC80-EECB-FAB3-E0C929B2A0CC}"/>
+                <a16:creationId xmlns:a16="http://schemas.microsoft.com/office/drawing/2014/main" id="{ACC72AD0-B20B-51A0-567F-C2F10749E2DA}"/>
               </a:ext>
             </a:extLst>
           </p:cNvPr>
@@ -5601,7 +5797,7 @@
           <a:p>
             <a:r>
               <a:rPr lang="es-PE" sz="2800" dirty="0"/>
-              <a:t>FASES QUE COMPRENDE LA ELABORACIÓN DEL MARCO TEORICO</a:t>
+              <a:t>UTILIDAD DEL MARCO TEORICO</a:t>
             </a:r>
           </a:p>
         </p:txBody>
@@ -5611,7 +5807,7 @@
           <p:cNvPr id="3" name="Marcador de contenido 2">
             <a:extLst>
               <a:ext uri="{FF2B5EF4-FFF2-40B4-BE49-F238E27FC236}">
-                <a16:creationId xmlns:a16="http://schemas.microsoft.com/office/drawing/2014/main" id="{9A6449CD-756F-7442-2E7B-F7E9AD2E8B05}"/>
+                <a16:creationId xmlns:a16="http://schemas.microsoft.com/office/drawing/2014/main" id="{35D0D8D0-2AAC-794B-84E8-A2BFF3B78992}"/>
               </a:ext>
             </a:extLst>
           </p:cNvPr>
@@ -5624,13 +5820,13 @@
         </p:nvSpPr>
         <p:spPr>
           <a:xfrm>
-            <a:off x="739140" y="1934487"/>
-            <a:ext cx="8778240" cy="3818614"/>
+            <a:off x="838200" y="1500809"/>
+            <a:ext cx="9608820" cy="5188226"/>
           </a:xfrm>
         </p:spPr>
         <p:txBody>
-          <a:bodyPr anchor="ctr">
-            <a:normAutofit/>
+          <a:bodyPr>
+            <a:normAutofit fontScale="70000" lnSpcReduction="20000"/>
           </a:bodyPr>
           <a:lstStyle/>
           <a:p>
@@ -5639,8 +5835,8 @@
               <a:buAutoNum type="arabicPeriod"/>
             </a:pPr>
             <a:r>
-              <a:rPr lang="es-PE" sz="2000" dirty="0"/>
-              <a:t>Detección y obtención de la literatura pertinente de acuerdo al planteamiento del problema de investigación (fuentes bibliográficas).</a:t>
+              <a:rPr lang="es-MX" dirty="0"/>
+              <a:t>Ayudarnos a afinar el planteamiento del problema (todos sus componentes). </a:t>
             </a:r>
           </a:p>
           <a:p>
@@ -5649,8 +5845,8 @@
               <a:buAutoNum type="arabicPeriod"/>
             </a:pPr>
             <a:r>
-              <a:rPr lang="es-PE" sz="2000" dirty="0"/>
-              <a:t>Revisión analítica y selectiva de la literatura.</a:t>
+              <a:rPr lang="es-MX" dirty="0"/>
+              <a:t>Guiarnos e iluminarnos sobre cuál es la forma más adecuada y pertinente de realizar nuestra investigación. </a:t>
             </a:r>
           </a:p>
           <a:p>
@@ -5659,8 +5855,8 @@
               <a:buAutoNum type="arabicPeriod"/>
             </a:pPr>
             <a:r>
-              <a:rPr lang="es-PE" sz="2000" dirty="0"/>
-              <a:t>Evaluación del panorama que nos revele la revisión de la literatura.</a:t>
+              <a:rPr lang="es-MX" dirty="0"/>
+              <a:t>Orientarnos sobre lo que queremos y lo que no queremos para nuestra investigación. </a:t>
             </a:r>
           </a:p>
           <a:p>
@@ -5669,8 +5865,8 @@
               <a:buAutoNum type="arabicPeriod"/>
             </a:pPr>
             <a:r>
-              <a:rPr lang="es-PE" sz="2000" dirty="0"/>
-              <a:t>Organización y estructuración de la literatura.</a:t>
+              <a:rPr lang="es-MX" dirty="0"/>
+              <a:t>Evitarnos errores que se han cometido en estudios previos (función preventiva). </a:t>
             </a:r>
           </a:p>
           <a:p>
@@ -5679,8 +5875,8 @@
               <a:buAutoNum type="arabicPeriod"/>
             </a:pPr>
             <a:r>
-              <a:rPr lang="es-PE" sz="2000" dirty="0"/>
-              <a:t>Elección del tipo de estructura deseada y elaboración de un índice del marco teórico.</a:t>
+              <a:rPr lang="es-MX" dirty="0"/>
+              <a:t>Ampliar el horizonte del estudio. </a:t>
             </a:r>
           </a:p>
           <a:p>
@@ -5689,8 +5885,8 @@
               <a:buAutoNum type="arabicPeriod"/>
             </a:pPr>
             <a:r>
-              <a:rPr lang="es-PE" sz="2000" dirty="0"/>
-              <a:t>Redacción del marco teórico.</a:t>
+              <a:rPr lang="es-MX" dirty="0"/>
+              <a:t>Encaminarnos para que nos centremos en el planteamiento problema y evitar desviaciones de este. </a:t>
             </a:r>
           </a:p>
           <a:p>
@@ -5699,16 +5895,47 @@
               <a:buAutoNum type="arabicPeriod"/>
             </a:pPr>
             <a:r>
-              <a:rPr lang="es-PE" sz="2000" dirty="0"/>
-              <a:t>Revisión del marco teórico.</a:t>
-            </a:r>
+              <a:rPr lang="es-MX" dirty="0"/>
+              <a:t>Documentar la necesidad de implementar el estudio (justificación). </a:t>
+            </a:r>
+          </a:p>
+          <a:p>
+            <a:pPr marL="514350" indent="-514350">
+              <a:buFont typeface="+mj-lt"/>
+              <a:buAutoNum type="arabicPeriod"/>
+            </a:pPr>
+            <a:r>
+              <a:rPr lang="es-MX" dirty="0"/>
+              <a:t>Conducirnos al establecimiento de hipótesis o afirmaciones que habrán de someterse a prueba en la realidad, o ayudarnos a no establecerlas por razones bien fundamentadas.</a:t>
+            </a:r>
+          </a:p>
+          <a:p>
+            <a:pPr marL="514350" indent="-514350">
+              <a:buFont typeface="+mj-lt"/>
+              <a:buAutoNum type="arabicPeriod"/>
+            </a:pPr>
+            <a:r>
+              <a:rPr lang="es-MX" dirty="0"/>
+              <a:t>Inspirar nuevas líneas y áreas de investigación.</a:t>
+            </a:r>
+          </a:p>
+          <a:p>
+            <a:pPr marL="514350" indent="-514350">
+              <a:buFont typeface="+mj-lt"/>
+              <a:buAutoNum type="arabicPeriod"/>
+            </a:pPr>
+            <a:r>
+              <a:rPr lang="es-MX" dirty="0"/>
+              <a:t>Proveernos de un marco de referencia para interpretar los resultados del estudio. Aunque podemos no estar de acuerdo con dicho marco o no utilizarlo para explicar nuestros resultados, es un punto de referencia</a:t>
+            </a:r>
+            <a:endParaRPr lang="es-PE" dirty="0"/>
           </a:p>
         </p:txBody>
       </p:sp>
     </p:spTree>
     <p:extLst>
       <p:ext uri="{BB962C8B-B14F-4D97-AF65-F5344CB8AC3E}">
-        <p14:creationId xmlns:p14="http://schemas.microsoft.com/office/powerpoint/2010/main" val="3196811404"/>
+        <p14:creationId xmlns:p14="http://schemas.microsoft.com/office/powerpoint/2010/main" val="1660450712"/>
       </p:ext>
     </p:extLst>
   </p:cSld>
